--- a/presentation/PowerPointPrésentation.pptx
+++ b/presentation/PowerPointPrésentation.pptx
@@ -2641,7 +2641,7 @@
           <a:p>
             <a:fld id="{514834A1-B099-4797-B892-EB83B089AA2C}" type="datetimeFigureOut">
               <a:rPr lang="fr-FR" smtClean="0"/>
-              <a:t>20/04/2018</a:t>
+              <a:t>22/04/2018</a:t>
             </a:fld>
             <a:endParaRPr lang="fr-FR" dirty="0"/>
           </a:p>
@@ -2811,7 +2811,7 @@
           <a:p>
             <a:fld id="{514834A1-B099-4797-B892-EB83B089AA2C}" type="datetimeFigureOut">
               <a:rPr lang="fr-FR" smtClean="0"/>
-              <a:t>20/04/2018</a:t>
+              <a:t>22/04/2018</a:t>
             </a:fld>
             <a:endParaRPr lang="fr-FR" dirty="0"/>
           </a:p>
@@ -2991,7 +2991,7 @@
           <a:p>
             <a:fld id="{514834A1-B099-4797-B892-EB83B089AA2C}" type="datetimeFigureOut">
               <a:rPr lang="fr-FR" smtClean="0"/>
-              <a:t>20/04/2018</a:t>
+              <a:t>22/04/2018</a:t>
             </a:fld>
             <a:endParaRPr lang="fr-FR" dirty="0"/>
           </a:p>
@@ -3194,7 +3194,7 @@
           <a:p>
             <a:fld id="{514834A1-B099-4797-B892-EB83B089AA2C}" type="datetimeFigureOut">
               <a:rPr lang="fr-FR" smtClean="0"/>
-              <a:t>20/04/2018</a:t>
+              <a:t>22/04/2018</a:t>
             </a:fld>
             <a:endParaRPr lang="fr-FR" dirty="0"/>
           </a:p>
@@ -3364,7 +3364,7 @@
           <a:p>
             <a:fld id="{514834A1-B099-4797-B892-EB83B089AA2C}" type="datetimeFigureOut">
               <a:rPr lang="fr-FR" smtClean="0"/>
-              <a:t>20/04/2018</a:t>
+              <a:t>22/04/2018</a:t>
             </a:fld>
             <a:endParaRPr lang="fr-FR" dirty="0"/>
           </a:p>
@@ -3615,7 +3615,7 @@
           <a:p>
             <a:fld id="{514834A1-B099-4797-B892-EB83B089AA2C}" type="datetimeFigureOut">
               <a:rPr lang="fr-FR" smtClean="0"/>
-              <a:t>20/04/2018</a:t>
+              <a:t>22/04/2018</a:t>
             </a:fld>
             <a:endParaRPr lang="fr-FR" dirty="0"/>
           </a:p>
@@ -3847,7 +3847,7 @@
           <a:p>
             <a:fld id="{514834A1-B099-4797-B892-EB83B089AA2C}" type="datetimeFigureOut">
               <a:rPr lang="fr-FR" smtClean="0"/>
-              <a:t>20/04/2018</a:t>
+              <a:t>22/04/2018</a:t>
             </a:fld>
             <a:endParaRPr lang="fr-FR" dirty="0"/>
           </a:p>
@@ -4194,7 +4194,7 @@
           <a:p>
             <a:fld id="{514834A1-B099-4797-B892-EB83B089AA2C}" type="datetimeFigureOut">
               <a:rPr lang="fr-FR" smtClean="0"/>
-              <a:t>20/04/2018</a:t>
+              <a:t>22/04/2018</a:t>
             </a:fld>
             <a:endParaRPr lang="fr-FR" dirty="0"/>
           </a:p>
@@ -4312,7 +4312,7 @@
           <a:p>
             <a:fld id="{514834A1-B099-4797-B892-EB83B089AA2C}" type="datetimeFigureOut">
               <a:rPr lang="fr-FR" smtClean="0"/>
-              <a:t>20/04/2018</a:t>
+              <a:t>22/04/2018</a:t>
             </a:fld>
             <a:endParaRPr lang="fr-FR" dirty="0"/>
           </a:p>
@@ -4430,7 +4430,7 @@
           <a:p>
             <a:fld id="{514834A1-B099-4797-B892-EB83B089AA2C}" type="datetimeFigureOut">
               <a:rPr lang="fr-FR" smtClean="0"/>
-              <a:t>20/04/2018</a:t>
+              <a:t>22/04/2018</a:t>
             </a:fld>
             <a:endParaRPr lang="fr-FR" dirty="0"/>
           </a:p>
@@ -4714,7 +4714,7 @@
           <a:p>
             <a:fld id="{514834A1-B099-4797-B892-EB83B089AA2C}" type="datetimeFigureOut">
               <a:rPr lang="fr-FR" smtClean="0"/>
-              <a:t>20/04/2018</a:t>
+              <a:t>22/04/2018</a:t>
             </a:fld>
             <a:endParaRPr lang="fr-FR" dirty="0"/>
           </a:p>
@@ -4884,7 +4884,7 @@
           <a:p>
             <a:fld id="{514834A1-B099-4797-B892-EB83B089AA2C}" type="datetimeFigureOut">
               <a:rPr lang="fr-FR" smtClean="0"/>
-              <a:t>20/04/2018</a:t>
+              <a:t>22/04/2018</a:t>
             </a:fld>
             <a:endParaRPr lang="fr-FR" dirty="0"/>
           </a:p>
@@ -5148,7 +5148,7 @@
           <a:p>
             <a:fld id="{514834A1-B099-4797-B892-EB83B089AA2C}" type="datetimeFigureOut">
               <a:rPr lang="fr-FR" smtClean="0"/>
-              <a:t>20/04/2018</a:t>
+              <a:t>22/04/2018</a:t>
             </a:fld>
             <a:endParaRPr lang="fr-FR" dirty="0"/>
           </a:p>
@@ -5318,7 +5318,7 @@
           <a:p>
             <a:fld id="{514834A1-B099-4797-B892-EB83B089AA2C}" type="datetimeFigureOut">
               <a:rPr lang="fr-FR" smtClean="0"/>
-              <a:t>20/04/2018</a:t>
+              <a:t>22/04/2018</a:t>
             </a:fld>
             <a:endParaRPr lang="fr-FR" dirty="0"/>
           </a:p>
@@ -5498,7 +5498,7 @@
           <a:p>
             <a:fld id="{514834A1-B099-4797-B892-EB83B089AA2C}" type="datetimeFigureOut">
               <a:rPr lang="fr-FR" smtClean="0"/>
-              <a:t>20/04/2018</a:t>
+              <a:t>22/04/2018</a:t>
             </a:fld>
             <a:endParaRPr lang="fr-FR" dirty="0"/>
           </a:p>
@@ -5701,7 +5701,7 @@
           <a:p>
             <a:fld id="{514834A1-B099-4797-B892-EB83B089AA2C}" type="datetimeFigureOut">
               <a:rPr lang="fr-FR" smtClean="0"/>
-              <a:t>20/04/2018</a:t>
+              <a:t>22/04/2018</a:t>
             </a:fld>
             <a:endParaRPr lang="fr-FR" dirty="0"/>
           </a:p>
@@ -5871,7 +5871,7 @@
           <a:p>
             <a:fld id="{514834A1-B099-4797-B892-EB83B089AA2C}" type="datetimeFigureOut">
               <a:rPr lang="fr-FR" smtClean="0"/>
-              <a:t>20/04/2018</a:t>
+              <a:t>22/04/2018</a:t>
             </a:fld>
             <a:endParaRPr lang="fr-FR" dirty="0"/>
           </a:p>
@@ -6122,7 +6122,7 @@
           <a:p>
             <a:fld id="{514834A1-B099-4797-B892-EB83B089AA2C}" type="datetimeFigureOut">
               <a:rPr lang="fr-FR" smtClean="0"/>
-              <a:t>20/04/2018</a:t>
+              <a:t>22/04/2018</a:t>
             </a:fld>
             <a:endParaRPr lang="fr-FR" dirty="0"/>
           </a:p>
@@ -6354,7 +6354,7 @@
           <a:p>
             <a:fld id="{514834A1-B099-4797-B892-EB83B089AA2C}" type="datetimeFigureOut">
               <a:rPr lang="fr-FR" smtClean="0"/>
-              <a:t>20/04/2018</a:t>
+              <a:t>22/04/2018</a:t>
             </a:fld>
             <a:endParaRPr lang="fr-FR" dirty="0"/>
           </a:p>
@@ -6701,7 +6701,7 @@
           <a:p>
             <a:fld id="{514834A1-B099-4797-B892-EB83B089AA2C}" type="datetimeFigureOut">
               <a:rPr lang="fr-FR" smtClean="0"/>
-              <a:t>20/04/2018</a:t>
+              <a:t>22/04/2018</a:t>
             </a:fld>
             <a:endParaRPr lang="fr-FR" dirty="0"/>
           </a:p>
@@ -6819,7 +6819,7 @@
           <a:p>
             <a:fld id="{514834A1-B099-4797-B892-EB83B089AA2C}" type="datetimeFigureOut">
               <a:rPr lang="fr-FR" smtClean="0"/>
-              <a:t>20/04/2018</a:t>
+              <a:t>22/04/2018</a:t>
             </a:fld>
             <a:endParaRPr lang="fr-FR" dirty="0"/>
           </a:p>
@@ -6937,7 +6937,7 @@
           <a:p>
             <a:fld id="{514834A1-B099-4797-B892-EB83B089AA2C}" type="datetimeFigureOut">
               <a:rPr lang="fr-FR" smtClean="0"/>
-              <a:t>20/04/2018</a:t>
+              <a:t>22/04/2018</a:t>
             </a:fld>
             <a:endParaRPr lang="fr-FR" dirty="0"/>
           </a:p>
@@ -7188,7 +7188,7 @@
           <a:p>
             <a:fld id="{514834A1-B099-4797-B892-EB83B089AA2C}" type="datetimeFigureOut">
               <a:rPr lang="fr-FR" smtClean="0"/>
-              <a:t>20/04/2018</a:t>
+              <a:t>22/04/2018</a:t>
             </a:fld>
             <a:endParaRPr lang="fr-FR" dirty="0"/>
           </a:p>
@@ -7472,7 +7472,7 @@
           <a:p>
             <a:fld id="{514834A1-B099-4797-B892-EB83B089AA2C}" type="datetimeFigureOut">
               <a:rPr lang="fr-FR" smtClean="0"/>
-              <a:t>20/04/2018</a:t>
+              <a:t>22/04/2018</a:t>
             </a:fld>
             <a:endParaRPr lang="fr-FR" dirty="0"/>
           </a:p>
@@ -7736,7 +7736,7 @@
           <a:p>
             <a:fld id="{514834A1-B099-4797-B892-EB83B089AA2C}" type="datetimeFigureOut">
               <a:rPr lang="fr-FR" smtClean="0"/>
-              <a:t>20/04/2018</a:t>
+              <a:t>22/04/2018</a:t>
             </a:fld>
             <a:endParaRPr lang="fr-FR" dirty="0"/>
           </a:p>
@@ -7906,7 +7906,7 @@
           <a:p>
             <a:fld id="{514834A1-B099-4797-B892-EB83B089AA2C}" type="datetimeFigureOut">
               <a:rPr lang="fr-FR" smtClean="0"/>
-              <a:t>20/04/2018</a:t>
+              <a:t>22/04/2018</a:t>
             </a:fld>
             <a:endParaRPr lang="fr-FR" dirty="0"/>
           </a:p>
@@ -8086,7 +8086,7 @@
           <a:p>
             <a:fld id="{514834A1-B099-4797-B892-EB83B089AA2C}" type="datetimeFigureOut">
               <a:rPr lang="fr-FR" smtClean="0"/>
-              <a:t>20/04/2018</a:t>
+              <a:t>22/04/2018</a:t>
             </a:fld>
             <a:endParaRPr lang="fr-FR" dirty="0"/>
           </a:p>
@@ -8276,7 +8276,7 @@
           <a:p>
             <a:fld id="{514834A1-B099-4797-B892-EB83B089AA2C}" type="datetimeFigureOut">
               <a:rPr lang="fr-FR" smtClean="0"/>
-              <a:t>20/04/2018</a:t>
+              <a:t>22/04/2018</a:t>
             </a:fld>
             <a:endParaRPr lang="fr-FR" dirty="0"/>
           </a:p>
@@ -8444,7 +8444,7 @@
           <a:p>
             <a:fld id="{514834A1-B099-4797-B892-EB83B089AA2C}" type="datetimeFigureOut">
               <a:rPr lang="fr-FR" smtClean="0"/>
-              <a:t>20/04/2018</a:t>
+              <a:t>22/04/2018</a:t>
             </a:fld>
             <a:endParaRPr lang="fr-FR" dirty="0"/>
           </a:p>
@@ -8689,7 +8689,7 @@
           <a:p>
             <a:fld id="{514834A1-B099-4797-B892-EB83B089AA2C}" type="datetimeFigureOut">
               <a:rPr lang="fr-FR" smtClean="0"/>
-              <a:t>20/04/2018</a:t>
+              <a:t>22/04/2018</a:t>
             </a:fld>
             <a:endParaRPr lang="fr-FR" dirty="0"/>
           </a:p>
@@ -8918,7 +8918,7 @@
           <a:p>
             <a:fld id="{514834A1-B099-4797-B892-EB83B089AA2C}" type="datetimeFigureOut">
               <a:rPr lang="fr-FR" smtClean="0"/>
-              <a:t>20/04/2018</a:t>
+              <a:t>22/04/2018</a:t>
             </a:fld>
             <a:endParaRPr lang="fr-FR" dirty="0"/>
           </a:p>
@@ -9282,7 +9282,7 @@
           <a:p>
             <a:fld id="{514834A1-B099-4797-B892-EB83B089AA2C}" type="datetimeFigureOut">
               <a:rPr lang="fr-FR" smtClean="0"/>
-              <a:t>20/04/2018</a:t>
+              <a:t>22/04/2018</a:t>
             </a:fld>
             <a:endParaRPr lang="fr-FR" dirty="0"/>
           </a:p>
@@ -9399,7 +9399,7 @@
           <a:p>
             <a:fld id="{514834A1-B099-4797-B892-EB83B089AA2C}" type="datetimeFigureOut">
               <a:rPr lang="fr-FR" smtClean="0"/>
-              <a:t>20/04/2018</a:t>
+              <a:t>22/04/2018</a:t>
             </a:fld>
             <a:endParaRPr lang="fr-FR" dirty="0"/>
           </a:p>
@@ -9631,7 +9631,7 @@
           <a:p>
             <a:fld id="{514834A1-B099-4797-B892-EB83B089AA2C}" type="datetimeFigureOut">
               <a:rPr lang="fr-FR" smtClean="0"/>
-              <a:t>20/04/2018</a:t>
+              <a:t>22/04/2018</a:t>
             </a:fld>
             <a:endParaRPr lang="fr-FR" dirty="0"/>
           </a:p>
@@ -9726,7 +9726,7 @@
           <a:p>
             <a:fld id="{514834A1-B099-4797-B892-EB83B089AA2C}" type="datetimeFigureOut">
               <a:rPr lang="fr-FR" smtClean="0"/>
-              <a:t>20/04/2018</a:t>
+              <a:t>22/04/2018</a:t>
             </a:fld>
             <a:endParaRPr lang="fr-FR" dirty="0"/>
           </a:p>
@@ -10001,7 +10001,7 @@
           <a:p>
             <a:fld id="{514834A1-B099-4797-B892-EB83B089AA2C}" type="datetimeFigureOut">
               <a:rPr lang="fr-FR" smtClean="0"/>
-              <a:t>20/04/2018</a:t>
+              <a:t>22/04/2018</a:t>
             </a:fld>
             <a:endParaRPr lang="fr-FR" dirty="0"/>
           </a:p>
@@ -10253,7 +10253,7 @@
           <a:p>
             <a:fld id="{514834A1-B099-4797-B892-EB83B089AA2C}" type="datetimeFigureOut">
               <a:rPr lang="fr-FR" smtClean="0"/>
-              <a:t>20/04/2018</a:t>
+              <a:t>22/04/2018</a:t>
             </a:fld>
             <a:endParaRPr lang="fr-FR" dirty="0"/>
           </a:p>
@@ -10421,7 +10421,7 @@
           <a:p>
             <a:fld id="{514834A1-B099-4797-B892-EB83B089AA2C}" type="datetimeFigureOut">
               <a:rPr lang="fr-FR" smtClean="0"/>
-              <a:t>20/04/2018</a:t>
+              <a:t>22/04/2018</a:t>
             </a:fld>
             <a:endParaRPr lang="fr-FR" dirty="0"/>
           </a:p>
@@ -10599,7 +10599,7 @@
           <a:p>
             <a:fld id="{514834A1-B099-4797-B892-EB83B089AA2C}" type="datetimeFigureOut">
               <a:rPr lang="fr-FR" smtClean="0"/>
-              <a:t>20/04/2018</a:t>
+              <a:t>22/04/2018</a:t>
             </a:fld>
             <a:endParaRPr lang="fr-FR" dirty="0"/>
           </a:p>
@@ -10946,7 +10946,7 @@
           <a:p>
             <a:fld id="{514834A1-B099-4797-B892-EB83B089AA2C}" type="datetimeFigureOut">
               <a:rPr lang="fr-FR" smtClean="0"/>
-              <a:t>20/04/2018</a:t>
+              <a:t>22/04/2018</a:t>
             </a:fld>
             <a:endParaRPr lang="fr-FR" dirty="0"/>
           </a:p>
@@ -11064,7 +11064,7 @@
           <a:p>
             <a:fld id="{514834A1-B099-4797-B892-EB83B089AA2C}" type="datetimeFigureOut">
               <a:rPr lang="fr-FR" smtClean="0"/>
-              <a:t>20/04/2018</a:t>
+              <a:t>22/04/2018</a:t>
             </a:fld>
             <a:endParaRPr lang="fr-FR" dirty="0"/>
           </a:p>
@@ -11182,7 +11182,7 @@
           <a:p>
             <a:fld id="{514834A1-B099-4797-B892-EB83B089AA2C}" type="datetimeFigureOut">
               <a:rPr lang="fr-FR" smtClean="0"/>
-              <a:t>20/04/2018</a:t>
+              <a:t>22/04/2018</a:t>
             </a:fld>
             <a:endParaRPr lang="fr-FR" dirty="0"/>
           </a:p>
@@ -11466,7 +11466,7 @@
           <a:p>
             <a:fld id="{514834A1-B099-4797-B892-EB83B089AA2C}" type="datetimeFigureOut">
               <a:rPr lang="fr-FR" smtClean="0"/>
-              <a:t>20/04/2018</a:t>
+              <a:t>22/04/2018</a:t>
             </a:fld>
             <a:endParaRPr lang="fr-FR" dirty="0"/>
           </a:p>
@@ -11730,7 +11730,7 @@
           <a:p>
             <a:fld id="{514834A1-B099-4797-B892-EB83B089AA2C}" type="datetimeFigureOut">
               <a:rPr lang="fr-FR" smtClean="0"/>
-              <a:t>20/04/2018</a:t>
+              <a:t>22/04/2018</a:t>
             </a:fld>
             <a:endParaRPr lang="fr-FR" dirty="0"/>
           </a:p>
@@ -11944,7 +11944,7 @@
           <a:p>
             <a:fld id="{514834A1-B099-4797-B892-EB83B089AA2C}" type="datetimeFigureOut">
               <a:rPr lang="fr-FR" smtClean="0"/>
-              <a:t>20/04/2018</a:t>
+              <a:t>22/04/2018</a:t>
             </a:fld>
             <a:endParaRPr lang="fr-FR" dirty="0"/>
           </a:p>
@@ -12474,7 +12474,7 @@
           <a:p>
             <a:fld id="{514834A1-B099-4797-B892-EB83B089AA2C}" type="datetimeFigureOut">
               <a:rPr lang="fr-FR" smtClean="0"/>
-              <a:t>20/04/2018</a:t>
+              <a:t>22/04/2018</a:t>
             </a:fld>
             <a:endParaRPr lang="fr-FR" dirty="0"/>
           </a:p>
@@ -13004,7 +13004,7 @@
           <a:p>
             <a:fld id="{514834A1-B099-4797-B892-EB83B089AA2C}" type="datetimeFigureOut">
               <a:rPr lang="fr-FR" smtClean="0"/>
-              <a:t>20/04/2018</a:t>
+              <a:t>22/04/2018</a:t>
             </a:fld>
             <a:endParaRPr lang="fr-FR" dirty="0"/>
           </a:p>
@@ -13531,7 +13531,7 @@
           <a:p>
             <a:fld id="{514834A1-B099-4797-B892-EB83B089AA2C}" type="datetimeFigureOut">
               <a:rPr lang="fr-FR" smtClean="0"/>
-              <a:t>20/04/2018</a:t>
+              <a:t>22/04/2018</a:t>
             </a:fld>
             <a:endParaRPr lang="fr-FR" dirty="0"/>
           </a:p>
@@ -14385,8 +14385,12 @@
               <a:rPr lang="en-GB" b="1" dirty="0"/>
             </a:br>
             <a:r>
+              <a:rPr lang="en-GB" b="1"/>
+              <a:t>Electric vehicle </a:t>
+            </a:r>
+            <a:r>
               <a:rPr lang="en-GB" b="1" dirty="0"/>
-              <a:t>Electric vehicles can reach it’s destination by this optimized route</a:t>
+              <a:t>can reach it’s destination by this optimized route</a:t>
             </a:r>
             <a:r>
               <a:rPr lang="en-GB" dirty="0"/>
